--- a/doc/0.공용폴더/07 스토리보드/스토리보드 - 로그인관련(김아리).pptx
+++ b/doc/0.공용폴더/07 스토리보드/스토리보드 - 로그인관련(김아리).pptx
@@ -296,7 +296,7 @@
             <a:fld id="{4204022D-519A-4CD6-99D3-23FD7668B2FE}" type="datetimeFigureOut">
               <a:rPr lang="ko-KR" altLang="en-US" smtClean="0"/>
               <a:pPr/>
-              <a:t>2020-07-15</a:t>
+              <a:t>2020-08-04</a:t>
             </a:fld>
             <a:endParaRPr lang="ko-KR" altLang="en-US"/>
           </a:p>
@@ -463,7 +463,7 @@
             <a:fld id="{4204022D-519A-4CD6-99D3-23FD7668B2FE}" type="datetimeFigureOut">
               <a:rPr lang="ko-KR" altLang="en-US" smtClean="0"/>
               <a:pPr/>
-              <a:t>2020-07-15</a:t>
+              <a:t>2020-08-04</a:t>
             </a:fld>
             <a:endParaRPr lang="ko-KR" altLang="en-US"/>
           </a:p>
@@ -640,7 +640,7 @@
             <a:fld id="{4204022D-519A-4CD6-99D3-23FD7668B2FE}" type="datetimeFigureOut">
               <a:rPr lang="ko-KR" altLang="en-US" smtClean="0"/>
               <a:pPr/>
-              <a:t>2020-07-15</a:t>
+              <a:t>2020-08-04</a:t>
             </a:fld>
             <a:endParaRPr lang="ko-KR" altLang="en-US"/>
           </a:p>
@@ -807,7 +807,7 @@
             <a:fld id="{4204022D-519A-4CD6-99D3-23FD7668B2FE}" type="datetimeFigureOut">
               <a:rPr lang="ko-KR" altLang="en-US" smtClean="0"/>
               <a:pPr/>
-              <a:t>2020-07-15</a:t>
+              <a:t>2020-08-04</a:t>
             </a:fld>
             <a:endParaRPr lang="ko-KR" altLang="en-US"/>
           </a:p>
@@ -1050,7 +1050,7 @@
             <a:fld id="{4204022D-519A-4CD6-99D3-23FD7668B2FE}" type="datetimeFigureOut">
               <a:rPr lang="ko-KR" altLang="en-US" smtClean="0"/>
               <a:pPr/>
-              <a:t>2020-07-15</a:t>
+              <a:t>2020-08-04</a:t>
             </a:fld>
             <a:endParaRPr lang="ko-KR" altLang="en-US"/>
           </a:p>
@@ -1335,7 +1335,7 @@
             <a:fld id="{4204022D-519A-4CD6-99D3-23FD7668B2FE}" type="datetimeFigureOut">
               <a:rPr lang="ko-KR" altLang="en-US" smtClean="0"/>
               <a:pPr/>
-              <a:t>2020-07-15</a:t>
+              <a:t>2020-08-04</a:t>
             </a:fld>
             <a:endParaRPr lang="ko-KR" altLang="en-US"/>
           </a:p>
@@ -1754,7 +1754,7 @@
             <a:fld id="{4204022D-519A-4CD6-99D3-23FD7668B2FE}" type="datetimeFigureOut">
               <a:rPr lang="ko-KR" altLang="en-US" smtClean="0"/>
               <a:pPr/>
-              <a:t>2020-07-15</a:t>
+              <a:t>2020-08-04</a:t>
             </a:fld>
             <a:endParaRPr lang="ko-KR" altLang="en-US"/>
           </a:p>
@@ -1869,7 +1869,7 @@
             <a:fld id="{4204022D-519A-4CD6-99D3-23FD7668B2FE}" type="datetimeFigureOut">
               <a:rPr lang="ko-KR" altLang="en-US" smtClean="0"/>
               <a:pPr/>
-              <a:t>2020-07-15</a:t>
+              <a:t>2020-08-04</a:t>
             </a:fld>
             <a:endParaRPr lang="ko-KR" altLang="en-US"/>
           </a:p>
@@ -1961,7 +1961,7 @@
             <a:fld id="{4204022D-519A-4CD6-99D3-23FD7668B2FE}" type="datetimeFigureOut">
               <a:rPr lang="ko-KR" altLang="en-US" smtClean="0"/>
               <a:pPr/>
-              <a:t>2020-07-15</a:t>
+              <a:t>2020-08-04</a:t>
             </a:fld>
             <a:endParaRPr lang="ko-KR" altLang="en-US"/>
           </a:p>
@@ -2235,7 +2235,7 @@
             <a:fld id="{4204022D-519A-4CD6-99D3-23FD7668B2FE}" type="datetimeFigureOut">
               <a:rPr lang="ko-KR" altLang="en-US" smtClean="0"/>
               <a:pPr/>
-              <a:t>2020-07-15</a:t>
+              <a:t>2020-08-04</a:t>
             </a:fld>
             <a:endParaRPr lang="ko-KR" altLang="en-US"/>
           </a:p>
@@ -2485,7 +2485,7 @@
             <a:fld id="{4204022D-519A-4CD6-99D3-23FD7668B2FE}" type="datetimeFigureOut">
               <a:rPr lang="ko-KR" altLang="en-US" smtClean="0"/>
               <a:pPr/>
-              <a:t>2020-07-15</a:t>
+              <a:t>2020-08-04</a:t>
             </a:fld>
             <a:endParaRPr lang="ko-KR" altLang="en-US"/>
           </a:p>
@@ -2695,7 +2695,7 @@
             <a:fld id="{4204022D-519A-4CD6-99D3-23FD7668B2FE}" type="datetimeFigureOut">
               <a:rPr lang="ko-KR" altLang="en-US" smtClean="0"/>
               <a:pPr/>
-              <a:t>2020-07-15</a:t>
+              <a:t>2020-08-04</a:t>
             </a:fld>
             <a:endParaRPr lang="ko-KR" altLang="en-US"/>
           </a:p>
@@ -3964,11 +3964,7 @@
                       </a:pPr>
                       <a:r>
                         <a:rPr lang="en-US" altLang="ko-KR" sz="1000" dirty="0" smtClean="0"/>
-                        <a:t>/</a:t>
-                      </a:r>
-                      <a:r>
-                        <a:rPr lang="en-US" altLang="ko-KR" sz="1000" dirty="0" smtClean="0"/>
-                        <a:t>joinFrm  </a:t>
+                        <a:t>/joinFrm  </a:t>
                       </a:r>
                       <a:r>
                         <a:rPr lang="en-US" altLang="ko-KR" sz="1000" dirty="0" smtClean="0">
@@ -3976,7 +3972,7 @@
                             <a:schemeClr val="tx1"/>
                           </a:solidFill>
                         </a:rPr>
-                        <a:t>/mailAuth1</a:t>
+                        <a:t>/mailAuth1 /mailAuth2</a:t>
                       </a:r>
                       <a:endParaRPr lang="en-US" altLang="ko-KR" sz="1000" dirty="0" smtClean="0"/>
                     </a:p>
@@ -4293,11 +4289,7 @@
             </a:r>
             <a:r>
               <a:rPr lang="ko-KR" altLang="en-US" sz="900" dirty="0" smtClean="0"/>
-              <a:t>버튼을 </a:t>
-            </a:r>
-            <a:r>
-              <a:rPr lang="ko-KR" altLang="en-US" sz="900" dirty="0" smtClean="0"/>
-              <a:t>누르면  이메일 중복을 확인 후 이메일 주소로 인증번호가 발송 된다</a:t>
+              <a:t>버튼을 누르면  이메일 중복을 확인 후 이메일 주소로 인증번호가 발송 된다</a:t>
             </a:r>
             <a:r>
               <a:rPr lang="en-US" altLang="ko-KR" sz="900" dirty="0" smtClean="0"/>
@@ -4312,19 +4304,7 @@
             </a:r>
             <a:r>
               <a:rPr lang="ko-KR" altLang="en-US" sz="900" dirty="0" smtClean="0"/>
-              <a:t>버튼을 </a:t>
-            </a:r>
-            <a:r>
-              <a:rPr lang="ko-KR" altLang="en-US" sz="900" dirty="0" smtClean="0"/>
-              <a:t>누르면 </a:t>
-            </a:r>
-            <a:r>
-              <a:rPr lang="en-US" altLang="ko-KR" sz="900" dirty="0" smtClean="0"/>
-              <a:t>hidden</a:t>
-            </a:r>
-            <a:r>
-              <a:rPr lang="ko-KR" altLang="en-US" sz="900" dirty="0" smtClean="0"/>
-              <a:t>처리된 </a:t>
+              <a:t>버튼을 누르면 메일로 보내진</a:t>
             </a:r>
             <a:endParaRPr lang="en-US" altLang="ko-KR" sz="900" dirty="0" smtClean="0"/>
           </a:p>
@@ -4344,15 +4324,7 @@
             <a:pPr marL="228600" indent="-228600"/>
             <a:r>
               <a:rPr lang="en-US" altLang="ko-KR" sz="900" dirty="0" smtClean="0"/>
-              <a:t>4</a:t>
-            </a:r>
-            <a:r>
-              <a:rPr lang="en-US" altLang="ko-KR" sz="900" dirty="0" smtClean="0"/>
-              <a:t>-A</a:t>
-            </a:r>
-            <a:r>
-              <a:rPr lang="en-US" altLang="ko-KR" sz="900" dirty="0" smtClean="0"/>
-              <a:t>. </a:t>
+              <a:t>4-A. </a:t>
             </a:r>
             <a:r>
               <a:rPr lang="ko-KR" altLang="en-US" sz="900" dirty="0" smtClean="0"/>
@@ -4391,11 +4363,7 @@
             </a:r>
             <a:r>
               <a:rPr lang="ko-KR" altLang="en-US" sz="900" dirty="0" smtClean="0"/>
-              <a:t>라는 메세지가 </a:t>
-            </a:r>
-            <a:r>
-              <a:rPr lang="ko-KR" altLang="en-US" sz="900" dirty="0" smtClean="0"/>
-              <a:t>뜬다</a:t>
+              <a:t>라는 메세지가 뜬다</a:t>
             </a:r>
             <a:endParaRPr lang="en-US" altLang="ko-KR" sz="900" dirty="0" smtClean="0"/>
           </a:p>
@@ -4407,11 +4375,7 @@
             </a:r>
             <a:r>
               <a:rPr lang="ko-KR" altLang="en-US" sz="900" dirty="0" smtClean="0"/>
-              <a:t>비밀번호를 </a:t>
-            </a:r>
-            <a:r>
-              <a:rPr lang="ko-KR" altLang="en-US" sz="900" dirty="0" smtClean="0"/>
-              <a:t>입력하면 비밀번호와 비밀번호 확인 란의 두 입력값이 일치하는 지 확인한다 </a:t>
+              <a:t>비밀번호를 입력하면 비밀번호와 비밀번호 확인 란의 두 입력값이 일치하는 지 확인한다 </a:t>
             </a:r>
             <a:endParaRPr lang="en-US" altLang="ko-KR" sz="900" dirty="0" smtClean="0"/>
           </a:p>
@@ -4474,47 +4438,19 @@
             <a:pPr marL="228600" indent="-228600"/>
             <a:r>
               <a:rPr lang="en-US" altLang="ko-KR" sz="900" dirty="0" smtClean="0"/>
-              <a:t>7</a:t>
-            </a:r>
-            <a:r>
-              <a:rPr lang="en-US" altLang="ko-KR" sz="900" dirty="0" smtClean="0"/>
-              <a:t>.</a:t>
-            </a:r>
-            <a:r>
-              <a:rPr lang="en-US" altLang="ko-KR" sz="900" dirty="0" smtClean="0"/>
-              <a:t>	</a:t>
+              <a:t>7.	</a:t>
             </a:r>
             <a:r>
               <a:rPr lang="ko-KR" altLang="en-US" sz="800" dirty="0" smtClean="0"/>
-              <a:t>버튼을 </a:t>
+              <a:t>버튼을 누르면 가입 가능 여부를 확인하고</a:t>
+            </a:r>
+            <a:r>
+              <a:rPr lang="en-US" altLang="ko-KR" sz="800" dirty="0" smtClean="0"/>
+              <a:t>  </a:t>
             </a:r>
             <a:r>
               <a:rPr lang="ko-KR" altLang="en-US" sz="800" dirty="0" smtClean="0"/>
-              <a:t>누르면 가입 </a:t>
-            </a:r>
-            <a:r>
-              <a:rPr lang="ko-KR" altLang="en-US" sz="800" dirty="0" smtClean="0"/>
-              <a:t>가능 여부를 </a:t>
-            </a:r>
-            <a:r>
-              <a:rPr lang="ko-KR" altLang="en-US" sz="800" dirty="0" smtClean="0"/>
-              <a:t>확인하고</a:t>
-            </a:r>
-            <a:r>
-              <a:rPr lang="en-US" altLang="ko-KR" sz="800" dirty="0" smtClean="0"/>
-              <a:t> </a:t>
-            </a:r>
-            <a:r>
-              <a:rPr lang="en-US" altLang="ko-KR" sz="800" dirty="0" smtClean="0"/>
-              <a:t> </a:t>
-            </a:r>
-            <a:r>
-              <a:rPr lang="ko-KR" altLang="en-US" sz="800" dirty="0" smtClean="0"/>
-              <a:t>가능 </a:t>
-            </a:r>
-            <a:r>
-              <a:rPr lang="ko-KR" altLang="en-US" sz="800" dirty="0" smtClean="0"/>
-              <a:t>시 가입되며</a:t>
+              <a:t>가능 시 가입되며</a:t>
             </a:r>
             <a:r>
               <a:rPr lang="en-US" altLang="ko-KR" sz="800" dirty="0" smtClean="0"/>
@@ -4529,13 +4465,8 @@
             </a:r>
             <a:r>
               <a:rPr lang="ko-KR" altLang="en-US" sz="800" dirty="0" smtClean="0"/>
-              <a:t>가입 후 회원가입 완료 페이지로 </a:t>
-            </a:r>
-            <a:r>
-              <a:rPr lang="ko-KR" altLang="en-US" sz="800" dirty="0" smtClean="0"/>
-              <a:t>이동</a:t>
-            </a:r>
-            <a:endParaRPr lang="ko-KR" altLang="en-US" sz="800" dirty="0" smtClean="0"/>
+              <a:t>가입 후 회원가입 완료 페이지로 이동</a:t>
+            </a:r>
           </a:p>
         </p:txBody>
       </p:sp>
@@ -4609,11 +4540,6 @@
               </a:rPr>
               <a:t>: /mailAuth1</a:t>
             </a:r>
-            <a:endParaRPr lang="en-US" altLang="ko-KR" sz="1000" dirty="0" smtClean="0">
-              <a:solidFill>
-                <a:schemeClr val="tx1"/>
-              </a:solidFill>
-            </a:endParaRPr>
           </a:p>
           <a:p>
             <a:r>
@@ -4658,11 +4584,6 @@
               </a:rPr>
               <a:t>=id</a:t>
             </a:r>
-            <a:endParaRPr lang="en-US" altLang="ko-KR" sz="1000" dirty="0" smtClean="0">
-              <a:solidFill>
-                <a:schemeClr val="tx1"/>
-              </a:solidFill>
-            </a:endParaRPr>
           </a:p>
         </p:txBody>
       </p:sp>
@@ -4878,21 +4799,8 @@
                   <a:schemeClr val="tx1"/>
                 </a:solidFill>
               </a:rPr>
-              <a:t>: /</a:t>
-            </a:r>
-            <a:r>
-              <a:rPr lang="en-US" altLang="ko-KR" sz="1000" dirty="0" smtClean="0">
-                <a:solidFill>
-                  <a:schemeClr val="tx1"/>
-                </a:solidFill>
-              </a:rPr>
-              <a:t>mailAuth1</a:t>
-            </a:r>
-            <a:endParaRPr lang="en-US" altLang="ko-KR" sz="1000" dirty="0" smtClean="0">
-              <a:solidFill>
-                <a:schemeClr val="tx1"/>
-              </a:solidFill>
-            </a:endParaRPr>
+              <a:t>: /mailAuth2</a:t>
+            </a:r>
           </a:p>
           <a:p>
             <a:r>
@@ -4953,16 +4861,10 @@
                   <a:schemeClr val="tx1"/>
                 </a:solidFill>
               </a:rPr>
-              <a:t>=num(hidden</a:t>
-            </a:r>
-            <a:r>
-              <a:rPr lang="en-US" altLang="ko-KR" sz="1000" dirty="0" smtClean="0">
-                <a:solidFill>
-                  <a:schemeClr val="tx1"/>
-                </a:solidFill>
-              </a:rPr>
-              <a:t>)</a:t>
-            </a:r>
+              <a:t>=confirmNum</a:t>
+            </a:r>
+          </a:p>
+          <a:p>
             <a:endParaRPr lang="en-US" altLang="ko-KR" sz="1000" dirty="0" smtClean="0">
               <a:solidFill>
                 <a:schemeClr val="tx1"/>
@@ -5096,15 +4998,7 @@
                   <a:schemeClr val="tx1"/>
                 </a:solidFill>
               </a:rPr>
-              <a:t>=id </a:t>
-            </a:r>
-            <a:r>
-              <a:rPr lang="en-US" altLang="ko-KR" sz="1000" dirty="0" smtClean="0">
-                <a:solidFill>
-                  <a:schemeClr val="tx1"/>
-                </a:solidFill>
-              </a:rPr>
-              <a:t>/</a:t>
+              <a:t>=id /</a:t>
             </a:r>
             <a:r>
               <a:rPr lang="ko-KR" altLang="en-US" sz="1000" dirty="0" smtClean="0">
@@ -5122,11 +5016,6 @@
               </a:rPr>
               <a:t>=pw</a:t>
             </a:r>
-            <a:endParaRPr lang="en-US" altLang="ko-KR" sz="1000" dirty="0" smtClean="0">
-              <a:solidFill>
-                <a:schemeClr val="tx1"/>
-              </a:solidFill>
-            </a:endParaRPr>
           </a:p>
           <a:p>
             <a:r>
@@ -5143,15 +5032,7 @@
                   <a:schemeClr val="tx1"/>
                 </a:solidFill>
               </a:rPr>
-              <a:t>=name</a:t>
-            </a:r>
-            <a:r>
-              <a:rPr lang="en-US" altLang="ko-KR" sz="1000" dirty="0" smtClean="0">
-                <a:solidFill>
-                  <a:schemeClr val="tx1"/>
-                </a:solidFill>
-              </a:rPr>
-              <a:t>/</a:t>
+              <a:t>=name/</a:t>
             </a:r>
             <a:r>
               <a:rPr lang="ko-KR" altLang="en-US" sz="1000" dirty="0" smtClean="0">
@@ -5167,23 +5048,7 @@
                   <a:schemeClr val="tx1"/>
                 </a:solidFill>
               </a:rPr>
-              <a:t>=</a:t>
-            </a:r>
-            <a:r>
-              <a:rPr lang="en-US" altLang="ko-KR" sz="1000" dirty="0" smtClean="0">
-                <a:solidFill>
-                  <a:schemeClr val="tx1"/>
-                </a:solidFill>
-              </a:rPr>
-              <a:t>birth</a:t>
-            </a:r>
-            <a:r>
-              <a:rPr lang="en-US" altLang="ko-KR" sz="1000" dirty="0" smtClean="0">
-                <a:solidFill>
-                  <a:schemeClr val="tx1"/>
-                </a:solidFill>
-              </a:rPr>
-              <a:t>/</a:t>
+              <a:t>=birth/</a:t>
             </a:r>
             <a:r>
               <a:rPr lang="ko-KR" altLang="en-US" sz="1000" dirty="0" smtClean="0">
@@ -5199,15 +5064,7 @@
                   <a:schemeClr val="tx1"/>
                 </a:solidFill>
               </a:rPr>
-              <a:t>gender</a:t>
-            </a:r>
-            <a:r>
-              <a:rPr lang="en-US" altLang="ko-KR" sz="1000" dirty="0" smtClean="0">
-                <a:solidFill>
-                  <a:schemeClr val="tx1"/>
-                </a:solidFill>
-              </a:rPr>
-              <a:t>/</a:t>
+              <a:t>gender/</a:t>
             </a:r>
           </a:p>
           <a:p>
@@ -5225,15 +5082,7 @@
                   <a:schemeClr val="tx1"/>
                 </a:solidFill>
               </a:rPr>
-              <a:t>=team</a:t>
-            </a:r>
-            <a:r>
-              <a:rPr lang="en-US" altLang="ko-KR" sz="1000" dirty="0" smtClean="0">
-                <a:solidFill>
-                  <a:schemeClr val="tx1"/>
-                </a:solidFill>
-              </a:rPr>
-              <a:t>/</a:t>
+              <a:t>=team/</a:t>
             </a:r>
             <a:r>
               <a:rPr lang="ko-KR" altLang="en-US" sz="1000" dirty="0" smtClean="0">
@@ -5251,11 +5100,6 @@
               </a:rPr>
               <a:t>=email </a:t>
             </a:r>
-            <a:endParaRPr lang="en-US" altLang="ko-KR" sz="1000" dirty="0" smtClean="0">
-              <a:solidFill>
-                <a:schemeClr val="tx1"/>
-              </a:solidFill>
-            </a:endParaRPr>
           </a:p>
           <a:p>
             <a:endParaRPr lang="en-US" altLang="ko-KR" sz="1000" dirty="0" smtClean="0">
@@ -9213,32 +9057,6 @@
               <a:t>2.View: idFindFrm.jsp</a:t>
             </a:r>
           </a:p>
-          <a:p>
-            <a:r>
-              <a:rPr lang="en-US" altLang="ko-KR" sz="1000" dirty="0" smtClean="0">
-                <a:solidFill>
-                  <a:schemeClr val="tx1"/>
-                </a:solidFill>
-              </a:rPr>
-              <a:t>(</a:t>
-            </a:r>
-            <a:r>
-              <a:rPr lang="ko-KR" altLang="en-US" sz="1000" dirty="0" smtClean="0">
-                <a:solidFill>
-                  <a:schemeClr val="tx1"/>
-                </a:solidFill>
-              </a:rPr>
-              <a:t>새창으로 열기</a:t>
-            </a:r>
-            <a:r>
-              <a:rPr lang="en-US" altLang="ko-KR" sz="1000" dirty="0" smtClean="0">
-                <a:solidFill>
-                  <a:schemeClr val="tx1"/>
-                </a:solidFill>
-              </a:rPr>
-              <a:t>)</a:t>
-            </a:r>
-          </a:p>
         </p:txBody>
       </p:sp>
       <p:cxnSp>
@@ -9356,32 +9174,6 @@
                 </a:solidFill>
               </a:rPr>
               <a:t>2.View: pwFindFrm.jsp</a:t>
-            </a:r>
-          </a:p>
-          <a:p>
-            <a:r>
-              <a:rPr lang="en-US" altLang="ko-KR" sz="1000" dirty="0" smtClean="0">
-                <a:solidFill>
-                  <a:schemeClr val="tx1"/>
-                </a:solidFill>
-              </a:rPr>
-              <a:t>(</a:t>
-            </a:r>
-            <a:r>
-              <a:rPr lang="ko-KR" altLang="en-US" sz="1000" dirty="0" smtClean="0">
-                <a:solidFill>
-                  <a:schemeClr val="tx1"/>
-                </a:solidFill>
-              </a:rPr>
-              <a:t>새창으로 열기</a:t>
-            </a:r>
-            <a:r>
-              <a:rPr lang="en-US" altLang="ko-KR" sz="1000" dirty="0" smtClean="0">
-                <a:solidFill>
-                  <a:schemeClr val="tx1"/>
-                </a:solidFill>
-              </a:rPr>
-              <a:t>)</a:t>
             </a:r>
           </a:p>
         </p:txBody>
@@ -10709,7 +10501,7 @@
                             <a:schemeClr val="tx1"/>
                           </a:solidFill>
                         </a:rPr>
-                        <a:t>idFindFrm.jsp , idFindFrm2.jsp</a:t>
+                        <a:t>idFindFrm.jsp </a:t>
                       </a:r>
                       <a:endParaRPr lang="ko-KR" altLang="en-US" sz="1000" dirty="0"/>
                     </a:p>
@@ -10880,15 +10672,7 @@
             </a:r>
             <a:r>
               <a:rPr lang="ko-KR" altLang="en-US" sz="900" dirty="0" smtClean="0"/>
-              <a:t>버튼을 누르면 </a:t>
-            </a:r>
-            <a:r>
-              <a:rPr lang="en-US" altLang="ko-KR" sz="900" dirty="0" smtClean="0"/>
-              <a:t>hidden</a:t>
-            </a:r>
-            <a:r>
-              <a:rPr lang="ko-KR" altLang="en-US" sz="900" dirty="0" smtClean="0"/>
-              <a:t>처리된 </a:t>
+              <a:t>버튼을 누르면 메일로 보내진</a:t>
             </a:r>
             <a:endParaRPr lang="en-US" altLang="ko-KR" sz="900" dirty="0" smtClean="0"/>
           </a:p>
@@ -11525,7 +11309,17 @@
                   <a:schemeClr val="tx1"/>
                 </a:solidFill>
               </a:rPr>
-              <a:t>=num(hidden)</a:t>
+              <a:t>=</a:t>
+            </a:r>
+          </a:p>
+          <a:p>
+            <a:r>
+              <a:rPr lang="en-US" altLang="ko-KR" sz="1000" dirty="0" smtClean="0">
+                <a:solidFill>
+                  <a:schemeClr val="tx1"/>
+                </a:solidFill>
+              </a:rPr>
+              <a:t>confirmNum</a:t>
             </a:r>
           </a:p>
         </p:txBody>
@@ -13440,32 +13234,6 @@
                 </a:solidFill>
               </a:rPr>
               <a:t>2.View: pwFindFrm.jsp</a:t>
-            </a:r>
-          </a:p>
-          <a:p>
-            <a:r>
-              <a:rPr lang="en-US" altLang="ko-KR" sz="1000" dirty="0" smtClean="0">
-                <a:solidFill>
-                  <a:schemeClr val="tx1"/>
-                </a:solidFill>
-              </a:rPr>
-              <a:t>(</a:t>
-            </a:r>
-            <a:r>
-              <a:rPr lang="ko-KR" altLang="en-US" sz="1000" dirty="0" smtClean="0">
-                <a:solidFill>
-                  <a:schemeClr val="tx1"/>
-                </a:solidFill>
-              </a:rPr>
-              <a:t>새창으로 열기</a:t>
-            </a:r>
-            <a:r>
-              <a:rPr lang="en-US" altLang="ko-KR" sz="1000" dirty="0" smtClean="0">
-                <a:solidFill>
-                  <a:schemeClr val="tx1"/>
-                </a:solidFill>
-              </a:rPr>
-              <a:t>)</a:t>
             </a:r>
           </a:p>
         </p:txBody>
@@ -15100,8 +14868,15 @@
                   <a:schemeClr val="tx1"/>
                 </a:solidFill>
               </a:rPr>
-              <a:t> =num(hidden)</a:t>
-            </a:r>
+              <a:t> =confirmNum</a:t>
+            </a:r>
+          </a:p>
+          <a:p>
+            <a:endParaRPr lang="en-US" altLang="ko-KR" sz="1000" dirty="0" smtClean="0">
+              <a:solidFill>
+                <a:schemeClr val="tx1"/>
+              </a:solidFill>
+            </a:endParaRPr>
           </a:p>
         </p:txBody>
       </p:sp>
@@ -15397,15 +15172,7 @@
             </a:r>
             <a:r>
               <a:rPr lang="ko-KR" altLang="en-US" sz="900" dirty="0" smtClean="0"/>
-              <a:t>버튼을 누르면 </a:t>
-            </a:r>
-            <a:r>
-              <a:rPr lang="en-US" altLang="ko-KR" sz="900" dirty="0" smtClean="0"/>
-              <a:t>hidden</a:t>
-            </a:r>
-            <a:r>
-              <a:rPr lang="ko-KR" altLang="en-US" sz="900" dirty="0" smtClean="0"/>
-              <a:t>처리된 </a:t>
+              <a:t>버튼을 누르면 메일로 보내진</a:t>
             </a:r>
             <a:endParaRPr lang="en-US" altLang="ko-KR" sz="900" dirty="0" smtClean="0"/>
           </a:p>
@@ -16857,11 +16624,7 @@
             <a:pPr marL="228600" indent="-228600"/>
             <a:r>
               <a:rPr lang="en-US" altLang="ko-KR" sz="900" dirty="0" smtClean="0"/>
-              <a:t>	</a:t>
-            </a:r>
-            <a:r>
-              <a:rPr lang="en-US" altLang="ko-KR" sz="900" dirty="0" smtClean="0"/>
-              <a:t>“</a:t>
+              <a:t>	“</a:t>
             </a:r>
             <a:r>
               <a:rPr lang="ko-KR" altLang="en-US" sz="900" dirty="0" smtClean="0"/>
@@ -16885,11 +16648,7 @@
             </a:r>
             <a:r>
               <a:rPr lang="ko-KR" altLang="en-US" sz="900" dirty="0" smtClean="0"/>
-              <a:t>두 </a:t>
-            </a:r>
-            <a:r>
-              <a:rPr lang="ko-KR" altLang="en-US" sz="900" dirty="0" smtClean="0"/>
-              <a:t>정보가 일치하지 않으면 </a:t>
+              <a:t>두 정보가 일치하지 않으면 </a:t>
             </a:r>
             <a:endParaRPr lang="en-US" altLang="ko-KR" sz="900" dirty="0" smtClean="0"/>
           </a:p>
@@ -16916,11 +16675,7 @@
             </a:r>
             <a:r>
               <a:rPr lang="ko-KR" altLang="en-US" sz="900" dirty="0" smtClean="0"/>
-              <a:t>라는 메세지가 </a:t>
-            </a:r>
-            <a:r>
-              <a:rPr lang="ko-KR" altLang="en-US" sz="900" dirty="0" smtClean="0"/>
-              <a:t>뜬다</a:t>
+              <a:t>라는 메세지가 뜬다</a:t>
             </a:r>
             <a:endParaRPr lang="en-US" altLang="ko-KR" sz="900" dirty="0" smtClean="0"/>
           </a:p>
